--- a/雲端期中作業.pptx
+++ b/雲端期中作業.pptx
@@ -6,8 +6,8 @@
   </p:sldMasterIdLst>
   <p:sldIdLst>
     <p:sldId id="256" r:id="rId2"/>
-    <p:sldId id="260" r:id="rId3"/>
-    <p:sldId id="259" r:id="rId4"/>
+    <p:sldId id="263" r:id="rId3"/>
+    <p:sldId id="260" r:id="rId4"/>
     <p:sldId id="258" r:id="rId5"/>
     <p:sldId id="261" r:id="rId6"/>
     <p:sldId id="262" r:id="rId7"/>
@@ -4874,6 +4874,213 @@
 </file>
 
 <file path=ppt/slides/slide2.xml><?xml version="1.0" encoding="utf-8"?>
+<p:sld xmlns:a="http://schemas.openxmlformats.org/drawingml/2006/main" xmlns:r="http://schemas.openxmlformats.org/officeDocument/2006/relationships" xmlns:p="http://schemas.openxmlformats.org/presentationml/2006/main">
+  <p:cSld>
+    <p:spTree>
+      <p:nvGrpSpPr>
+        <p:cNvPr id="1" name=""/>
+        <p:cNvGrpSpPr/>
+        <p:nvPr/>
+      </p:nvGrpSpPr>
+      <p:grpSpPr>
+        <a:xfrm>
+          <a:off x="0" y="0"/>
+          <a:ext cx="0" cy="0"/>
+          <a:chOff x="0" y="0"/>
+          <a:chExt cx="0" cy="0"/>
+        </a:xfrm>
+      </p:grpSpPr>
+      <p:sp>
+        <p:nvSpPr>
+          <p:cNvPr id="3" name="內容版面配置區 2"/>
+          <p:cNvSpPr>
+            <a:spLocks noGrp="1"/>
+          </p:cNvSpPr>
+          <p:nvPr>
+            <p:ph idx="1"/>
+          </p:nvPr>
+        </p:nvSpPr>
+        <p:spPr>
+          <a:xfrm>
+            <a:off x="0" y="764704"/>
+            <a:ext cx="9036496" cy="1440160"/>
+          </a:xfrm>
+        </p:spPr>
+        <p:txBody>
+          <a:bodyPr>
+            <a:normAutofit/>
+          </a:bodyPr>
+          <a:lstStyle/>
+          <a:p>
+            <a:pPr marL="0"/>
+            <a:r>
+              <a:rPr lang="zh-TW" altLang="en-US" sz="1800" b="0" dirty="0"/>
+              <a:t>神經網絡理論是巨量信息並行處理和大規模平行計算的基礎，是高度非線性動力學系統，又是自</a:t>
+            </a:r>
+            <a:r>
+              <a:rPr lang="zh-TW" altLang="en-US" sz="1800" b="0" dirty="0"/>
+              <a:t>適應組織</a:t>
+            </a:r>
+            <a:r>
+              <a:rPr lang="zh-TW" altLang="en-US" sz="1800" b="0" dirty="0"/>
+              <a:t>系統，可用來描述認知、決策及控制的智能行為． 它的中心問題是智能的認知和模擬，更重要的是它具有“認知”、“意識”和“感情”等高級大腦功能。</a:t>
+            </a:r>
+          </a:p>
+        </p:txBody>
+      </p:sp>
+      <p:sp>
+        <p:nvSpPr>
+          <p:cNvPr id="4" name="標題 1"/>
+          <p:cNvSpPr>
+            <a:spLocks noGrp="1"/>
+          </p:cNvSpPr>
+          <p:nvPr>
+            <p:ph type="title"/>
+          </p:nvPr>
+        </p:nvSpPr>
+        <p:spPr>
+          <a:xfrm>
+            <a:off x="0" y="5110"/>
+            <a:ext cx="7520940" cy="548640"/>
+          </a:xfrm>
+        </p:spPr>
+        <p:txBody>
+          <a:bodyPr>
+            <a:normAutofit/>
+          </a:bodyPr>
+          <a:lstStyle/>
+          <a:p>
+            <a:r>
+              <a:rPr lang="en-US" altLang="zh-TW" b="1" dirty="0"/>
+              <a:t>Neural network </a:t>
+            </a:r>
+            <a:r>
+              <a:rPr lang="en-US" altLang="zh-TW" b="1" dirty="0" smtClean="0"/>
+              <a:t>models</a:t>
+            </a:r>
+            <a:endParaRPr lang="zh-TW" altLang="en-US" dirty="0"/>
+          </a:p>
+        </p:txBody>
+      </p:sp>
+      <p:pic>
+        <p:nvPicPr>
+          <p:cNvPr id="5" name="圖片 4"/>
+          <p:cNvPicPr>
+            <a:picLocks noChangeAspect="1"/>
+          </p:cNvPicPr>
+          <p:nvPr/>
+        </p:nvPicPr>
+        <p:blipFill>
+          <a:blip r:embed="rId2" cstate="print">
+            <a:extLst>
+              <a:ext uri="{28A0092B-C50C-407E-A947-70E740481C1C}">
+                <a14:useLocalDpi xmlns:a14="http://schemas.microsoft.com/office/drawing/2010/main" val="0"/>
+              </a:ext>
+            </a:extLst>
+          </a:blip>
+          <a:stretch>
+            <a:fillRect/>
+          </a:stretch>
+        </p:blipFill>
+        <p:spPr>
+          <a:xfrm>
+            <a:off x="5519536" y="1772816"/>
+            <a:ext cx="3096344" cy="3196513"/>
+          </a:xfrm>
+          <a:prstGeom prst="rect">
+            <a:avLst/>
+          </a:prstGeom>
+        </p:spPr>
+      </p:pic>
+      <p:sp>
+        <p:nvSpPr>
+          <p:cNvPr id="6" name="矩形 5"/>
+          <p:cNvSpPr/>
+          <p:nvPr/>
+        </p:nvSpPr>
+        <p:spPr>
+          <a:xfrm>
+            <a:off x="84496" y="2924944"/>
+            <a:ext cx="3888432" cy="646331"/>
+          </a:xfrm>
+          <a:prstGeom prst="rect">
+            <a:avLst/>
+          </a:prstGeom>
+        </p:spPr>
+        <p:txBody>
+          <a:bodyPr wrap="square">
+            <a:spAutoFit/>
+          </a:bodyPr>
+          <a:lstStyle/>
+          <a:p>
+            <a:r>
+              <a:rPr lang="zh-TW" altLang="en-US" dirty="0"/>
+              <a:t>此算法將可以使用非線性近似將資料分類或進行迴歸運算。</a:t>
+            </a:r>
+            <a:endParaRPr lang="zh-TW" altLang="en-US" dirty="0"/>
+          </a:p>
+        </p:txBody>
+      </p:sp>
+      <p:sp>
+        <p:nvSpPr>
+          <p:cNvPr id="7" name="標題 4"/>
+          <p:cNvSpPr txBox="1">
+            <a:spLocks/>
+          </p:cNvSpPr>
+          <p:nvPr/>
+        </p:nvSpPr>
+        <p:spPr>
+          <a:xfrm>
+            <a:off x="49911" y="2160280"/>
+            <a:ext cx="3369961" cy="548640"/>
+          </a:xfrm>
+          <a:prstGeom prst="rect">
+            <a:avLst/>
+          </a:prstGeom>
+        </p:spPr>
+        <p:txBody>
+          <a:bodyPr vert="horz" lIns="91440" tIns="45720" rIns="91440" bIns="45720" rtlCol="0" anchor="ctr">
+            <a:noAutofit/>
+          </a:bodyPr>
+          <a:lstStyle>
+            <a:lvl1pPr algn="l" defTabSz="914400" rtl="0" eaLnBrk="1" latinLnBrk="0" hangingPunct="1">
+              <a:spcBef>
+                <a:spcPct val="0"/>
+              </a:spcBef>
+              <a:buNone/>
+              <a:defRPr sz="2800" kern="1200" cap="all" baseline="0">
+                <a:solidFill>
+                  <a:schemeClr val="tx1"/>
+                </a:solidFill>
+                <a:latin typeface="+mj-lt"/>
+                <a:ea typeface="+mj-ea"/>
+                <a:cs typeface="+mj-cs"/>
+              </a:defRPr>
+            </a:lvl1pPr>
+          </a:lstStyle>
+          <a:p>
+            <a:r>
+              <a:rPr lang="en-US" altLang="zh-TW" sz="2000" dirty="0" smtClean="0"/>
+              <a:t>Multi-layer Perceptron</a:t>
+            </a:r>
+            <a:endParaRPr lang="zh-TW" altLang="en-US" sz="2000" dirty="0"/>
+          </a:p>
+        </p:txBody>
+      </p:sp>
+    </p:spTree>
+    <p:extLst>
+      <p:ext uri="{BB962C8B-B14F-4D97-AF65-F5344CB8AC3E}">
+        <p14:creationId xmlns:p14="http://schemas.microsoft.com/office/powerpoint/2010/main" val="2527077402"/>
+      </p:ext>
+    </p:extLst>
+  </p:cSld>
+  <p:clrMapOvr>
+    <a:masterClrMapping/>
+  </p:clrMapOvr>
+</p:sld>
+</file>
+
+<file path=ppt/slides/slide3.xml><?xml version="1.0" encoding="utf-8"?>
 <p:sld xmlns:a="http://schemas.openxmlformats.org/drawingml/2006/main" xmlns:r="http://schemas.openxmlformats.org/officeDocument/2006/relationships" xmlns:p="http://schemas.openxmlformats.org/presentationml/2006/main">
   <p:cSld>
     <p:spTree>
@@ -5272,107 +5479,6 @@
 </p:sld>
 </file>
 
-<file path=ppt/slides/slide3.xml><?xml version="1.0" encoding="utf-8"?>
-<p:sld xmlns:a="http://schemas.openxmlformats.org/drawingml/2006/main" xmlns:r="http://schemas.openxmlformats.org/officeDocument/2006/relationships" xmlns:p="http://schemas.openxmlformats.org/presentationml/2006/main">
-  <p:cSld>
-    <p:spTree>
-      <p:nvGrpSpPr>
-        <p:cNvPr id="1" name=""/>
-        <p:cNvGrpSpPr/>
-        <p:nvPr/>
-      </p:nvGrpSpPr>
-      <p:grpSpPr>
-        <a:xfrm>
-          <a:off x="0" y="0"/>
-          <a:ext cx="0" cy="0"/>
-          <a:chOff x="0" y="0"/>
-          <a:chExt cx="0" cy="0"/>
-        </a:xfrm>
-      </p:grpSpPr>
-      <p:sp>
-        <p:nvSpPr>
-          <p:cNvPr id="2" name="標題 1"/>
-          <p:cNvSpPr>
-            <a:spLocks noGrp="1"/>
-          </p:cNvSpPr>
-          <p:nvPr>
-            <p:ph type="title"/>
-          </p:nvPr>
-        </p:nvSpPr>
-        <p:spPr>
-          <a:xfrm>
-            <a:off x="0" y="40"/>
-            <a:ext cx="7520940" cy="548640"/>
-          </a:xfrm>
-        </p:spPr>
-        <p:txBody>
-          <a:bodyPr>
-            <a:normAutofit/>
-          </a:bodyPr>
-          <a:lstStyle/>
-          <a:p>
-            <a:r>
-              <a:rPr lang="en-US" altLang="zh-TW" b="1" dirty="0"/>
-              <a:t>Neural network </a:t>
-            </a:r>
-            <a:r>
-              <a:rPr lang="en-US" altLang="zh-TW" b="1" dirty="0" smtClean="0"/>
-              <a:t>models</a:t>
-            </a:r>
-            <a:endParaRPr lang="zh-TW" altLang="en-US" dirty="0"/>
-          </a:p>
-        </p:txBody>
-      </p:sp>
-      <p:pic>
-        <p:nvPicPr>
-          <p:cNvPr id="3" name="圖片 2"/>
-          <p:cNvPicPr>
-            <a:picLocks noChangeAspect="1"/>
-          </p:cNvPicPr>
-          <p:nvPr/>
-        </p:nvPicPr>
-        <p:blipFill>
-          <a:blip r:embed="rId2">
-            <a:extLst>
-              <a:ext uri="{28A0092B-C50C-407E-A947-70E740481C1C}">
-                <a14:useLocalDpi xmlns:a14="http://schemas.microsoft.com/office/drawing/2010/main" val="0"/>
-              </a:ext>
-            </a:extLst>
-          </a:blip>
-          <a:stretch>
-            <a:fillRect/>
-          </a:stretch>
-        </p:blipFill>
-        <p:spPr>
-          <a:xfrm>
-            <a:off x="4427984" y="548680"/>
-            <a:ext cx="4308405" cy="4447786"/>
-          </a:xfrm>
-          <a:prstGeom prst="rect">
-            <a:avLst/>
-          </a:prstGeom>
-        </p:spPr>
-      </p:pic>
-    </p:spTree>
-    <p:extLst>
-      <p:ext uri="{BB962C8B-B14F-4D97-AF65-F5344CB8AC3E}">
-        <p14:creationId xmlns:p14="http://schemas.microsoft.com/office/powerpoint/2010/main" val="3001574486"/>
-      </p:ext>
-    </p:extLst>
-  </p:cSld>
-  <p:clrMapOvr>
-    <a:masterClrMapping/>
-  </p:clrMapOvr>
-  <p:timing>
-    <p:tnLst>
-      <p:par>
-        <p:cTn id="1" dur="indefinite" restart="never" nodeType="tmRoot"/>
-      </p:par>
-    </p:tnLst>
-  </p:timing>
-</p:sld>
-</file>
-
 <file path=ppt/slides/slide4.xml><?xml version="1.0" encoding="utf-8"?>
 <p:sld xmlns:a="http://schemas.openxmlformats.org/drawingml/2006/main" xmlns:r="http://schemas.openxmlformats.org/officeDocument/2006/relationships" xmlns:p="http://schemas.openxmlformats.org/presentationml/2006/main">
   <p:cSld>
@@ -5414,9 +5520,39 @@
         </p:blipFill>
         <p:spPr>
           <a:xfrm>
-            <a:off x="-180528" y="476672"/>
-            <a:ext cx="8964488" cy="1458608"/>
+            <a:off x="-180528" y="3501008"/>
+            <a:ext cx="8352928" cy="1359101"/>
           </a:xfrm>
+        </p:spPr>
+      </p:pic>
+      <p:pic>
+        <p:nvPicPr>
+          <p:cNvPr id="2" name="圖片 1"/>
+          <p:cNvPicPr>
+            <a:picLocks noChangeAspect="1"/>
+          </p:cNvPicPr>
+          <p:nvPr/>
+        </p:nvPicPr>
+        <p:blipFill>
+          <a:blip r:embed="rId3">
+            <a:extLst>
+              <a:ext uri="{28A0092B-C50C-407E-A947-70E740481C1C}">
+                <a14:useLocalDpi xmlns:a14="http://schemas.microsoft.com/office/drawing/2010/main" val="0"/>
+              </a:ext>
+            </a:extLst>
+          </a:blip>
+          <a:stretch>
+            <a:fillRect/>
+          </a:stretch>
+        </p:blipFill>
+        <p:spPr>
+          <a:xfrm>
+            <a:off x="-53431" y="292880"/>
+            <a:ext cx="8770044" cy="2724098"/>
+          </a:xfrm>
+          <a:prstGeom prst="rect">
+            <a:avLst/>
+          </a:prstGeom>
         </p:spPr>
       </p:pic>
     </p:spTree>

--- a/雲端期中作業.pptx
+++ b/雲端期中作業.pptx
@@ -4902,7 +4902,7 @@
         </p:nvSpPr>
         <p:spPr>
           <a:xfrm>
-            <a:off x="0" y="764704"/>
+            <a:off x="0" y="620688"/>
             <a:ext cx="9036496" cy="1440160"/>
           </a:xfrm>
         </p:spPr>
@@ -4912,18 +4912,33 @@
           </a:bodyPr>
           <a:lstStyle/>
           <a:p>
-            <a:pPr marL="0"/>
+            <a:pPr fontAlgn="base">
+              <a:buFont typeface="Wingdings" pitchFamily="2" charset="2"/>
+              <a:buChar char="l"/>
+            </a:pPr>
             <a:r>
               <a:rPr lang="zh-TW" altLang="en-US" sz="1800" b="0" dirty="0"/>
-              <a:t>神經網絡理論是巨量信息並行處理和大規模平行計算的基礎，是高度非線性動力學系統，又是自</a:t>
-            </a:r>
+              <a:t>首先神經網絡中需要有接收信號的主體，類似於樹突和樹突末梢。</a:t>
+            </a:r>
+          </a:p>
+          <a:p>
+            <a:pPr fontAlgn="base">
+              <a:buFont typeface="Wingdings" pitchFamily="2" charset="2"/>
+              <a:buChar char="l"/>
+            </a:pPr>
             <a:r>
               <a:rPr lang="zh-TW" altLang="en-US" sz="1800" b="0" dirty="0"/>
-              <a:t>適應組織</a:t>
-            </a:r>
+              <a:t>其次需要有一個類似於細胞體的結構來綜合處理接收到的信號。</a:t>
+            </a:r>
+          </a:p>
+          <a:p>
+            <a:pPr fontAlgn="base">
+              <a:buFont typeface="Wingdings" pitchFamily="2" charset="2"/>
+              <a:buChar char="l"/>
+            </a:pPr>
             <a:r>
               <a:rPr lang="zh-TW" altLang="en-US" sz="1800" b="0" dirty="0"/>
-              <a:t>系統，可用來描述認知、決策及控制的智能行為． 它的中心問題是智能的認知和模擬，更重要的是它具有“認知”、“意識”和“感情”等高級大腦功能。</a:t>
+              <a:t>最後通過一個的機制就處理完成的信號發送出去，類似於軸突的工作。</a:t>
             </a:r>
           </a:p>
         </p:txBody>
@@ -5017,7 +5032,6 @@
               <a:rPr lang="zh-TW" altLang="en-US" dirty="0"/>
               <a:t>此算法將可以使用非線性近似將資料分類或進行迴歸運算。</a:t>
             </a:r>
-            <a:endParaRPr lang="zh-TW" altLang="en-US" dirty="0"/>
           </a:p>
         </p:txBody>
       </p:sp>

--- a/雲端期中作業.pptx
+++ b/雲端期中作業.pptx
@@ -4902,7 +4902,7 @@
         </p:nvSpPr>
         <p:spPr>
           <a:xfrm>
-            <a:off x="0" y="620688"/>
+            <a:off x="0" y="764704"/>
             <a:ext cx="9036496" cy="1440160"/>
           </a:xfrm>
         </p:spPr>
@@ -4912,34 +4912,12 @@
           </a:bodyPr>
           <a:lstStyle/>
           <a:p>
-            <a:pPr fontAlgn="base">
-              <a:buFont typeface="Wingdings" pitchFamily="2" charset="2"/>
-              <a:buChar char="l"/>
-            </a:pPr>
-            <a:r>
-              <a:rPr lang="zh-TW" altLang="en-US" sz="1800" b="0" dirty="0"/>
-              <a:t>首先神經網絡中需要有接收信號的主體，類似於樹突和樹突末梢。</a:t>
-            </a:r>
-          </a:p>
-          <a:p>
-            <a:pPr fontAlgn="base">
-              <a:buFont typeface="Wingdings" pitchFamily="2" charset="2"/>
-              <a:buChar char="l"/>
-            </a:pPr>
-            <a:r>
-              <a:rPr lang="zh-TW" altLang="en-US" sz="1800" b="0" dirty="0"/>
-              <a:t>其次需要有一個類似於細胞體的結構來綜合處理接收到的信號。</a:t>
-            </a:r>
-          </a:p>
-          <a:p>
-            <a:pPr fontAlgn="base">
-              <a:buFont typeface="Wingdings" pitchFamily="2" charset="2"/>
-              <a:buChar char="l"/>
-            </a:pPr>
-            <a:r>
-              <a:rPr lang="zh-TW" altLang="en-US" sz="1800" b="0" dirty="0"/>
-              <a:t>最後通過一個的機制就處理完成的信號發送出去，類似於軸突的工作。</a:t>
-            </a:r>
+            <a:pPr marL="0"/>
+            <a:r>
+              <a:rPr lang="zh-TW" altLang="en-US" sz="1800" b="0" dirty="0" smtClean="0"/>
+              <a:t>神經網絡理論是巨量信息並行處理和大規模平行計算的基礎，是高度非線性動力學系統，又是自適應組織系統，可用來描述認知、決策及控制的智能行為． 它的中心問題是智能的認知和模擬，更重要的是它具有“認知”、“意識”和“感情”等高級大腦功能。</a:t>
+            </a:r>
+            <a:endParaRPr lang="zh-TW" altLang="en-US" sz="1800" b="0" dirty="0"/>
           </a:p>
         </p:txBody>
       </p:sp>
